--- a/Tugas 1/Tugas 1.pptx
+++ b/Tugas 1/Tugas 1.pptx
@@ -26,8 +26,12 @@
     <p:sldId id="268" r:id="rId20"/>
     <p:sldId id="269" r:id="rId21"/>
     <p:sldId id="270" r:id="rId22"/>
-    <p:sldId id="271" r:id="rId23"/>
-    <p:sldId id="272" r:id="rId24"/>
+    <p:sldId id="279" r:id="rId23"/>
+    <p:sldId id="280" r:id="rId24"/>
+    <p:sldId id="281" r:id="rId25"/>
+    <p:sldId id="282" r:id="rId26"/>
+    <p:sldId id="271" r:id="rId27"/>
+    <p:sldId id="272" r:id="rId28"/>
   </p:sldIdLst>
   <p:sldSz cx="12192000" cy="6858000"/>
   <p:notesSz cx="6858000" cy="9144000"/>
@@ -229,7 +233,7 @@
           <a:effectLst/>
           <a:extLst>
             <a:ext uri="{91240B29-F687-4f45-9708-019B960494DF}">
-              <a14:hiddenLine xmlns="" xmlns:a14="http://schemas.microsoft.com/office/drawing/2010/main" w="9525">
+              <a14:hiddenLine xmlns:a14="http://schemas.microsoft.com/office/drawing/2010/main" xmlns="" w="9525">
                 <a:solidFill>
                   <a:srgbClr val="000000"/>
                 </a:solidFill>
@@ -421,7 +425,7 @@
           <a:p>
             <a:fld id="{2C353367-3EB9-45A5-B1C9-D246A22C685C}" type="datetimeFigureOut">
               <a:rPr lang="en-US" smtClean="0"/>
-              <a:t>3/21/2019</a:t>
+              <a:t>3/30/2019</a:t>
             </a:fld>
             <a:endParaRPr lang="en-US"/>
           </a:p>
@@ -739,7 +743,7 @@
           <a:p>
             <a:fld id="{2C353367-3EB9-45A5-B1C9-D246A22C685C}" type="datetimeFigureOut">
               <a:rPr lang="en-US" smtClean="0"/>
-              <a:t>3/21/2019</a:t>
+              <a:t>3/30/2019</a:t>
             </a:fld>
             <a:endParaRPr lang="en-US"/>
           </a:p>
@@ -1227,7 +1231,7 @@
           <a:p>
             <a:fld id="{2C353367-3EB9-45A5-B1C9-D246A22C685C}" type="datetimeFigureOut">
               <a:rPr lang="en-US" smtClean="0"/>
-              <a:t>3/21/2019</a:t>
+              <a:t>3/30/2019</a:t>
             </a:fld>
             <a:endParaRPr lang="en-US"/>
           </a:p>
@@ -1596,7 +1600,7 @@
           <a:p>
             <a:fld id="{2C353367-3EB9-45A5-B1C9-D246A22C685C}" type="datetimeFigureOut">
               <a:rPr lang="en-US" smtClean="0"/>
-              <a:t>3/21/2019</a:t>
+              <a:t>3/30/2019</a:t>
             </a:fld>
             <a:endParaRPr lang="en-US"/>
           </a:p>
@@ -1751,7 +1755,7 @@
           <a:ln/>
           <a:extLst>
             <a:ext uri="{91240B29-F687-4f45-9708-019B960494DF}">
-              <a14:hiddenLine xmlns="" xmlns:a14="http://schemas.microsoft.com/office/drawing/2010/main" w="9525">
+              <a14:hiddenLine xmlns:a14="http://schemas.microsoft.com/office/drawing/2010/main" xmlns="" w="9525">
                 <a:solidFill>
                   <a:srgbClr val="000000"/>
                 </a:solidFill>
@@ -1869,7 +1873,7 @@
           <a:p>
             <a:fld id="{2C353367-3EB9-45A5-B1C9-D246A22C685C}" type="datetimeFigureOut">
               <a:rPr lang="en-US" smtClean="0"/>
-              <a:t>3/21/2019</a:t>
+              <a:t>3/30/2019</a:t>
             </a:fld>
             <a:endParaRPr lang="en-US"/>
           </a:p>
@@ -2026,7 +2030,7 @@
           <a:ln/>
           <a:extLst>
             <a:ext uri="{91240B29-F687-4f45-9708-019B960494DF}">
-              <a14:hiddenLine xmlns="" xmlns:a14="http://schemas.microsoft.com/office/drawing/2010/main" w="9525">
+              <a14:hiddenLine xmlns:a14="http://schemas.microsoft.com/office/drawing/2010/main" xmlns="" w="9525">
                 <a:solidFill>
                   <a:srgbClr val="000000"/>
                 </a:solidFill>
@@ -2154,7 +2158,7 @@
           <a:p>
             <a:fld id="{2C353367-3EB9-45A5-B1C9-D246A22C685C}" type="datetimeFigureOut">
               <a:rPr lang="en-US" smtClean="0"/>
-              <a:t>3/21/2019</a:t>
+              <a:t>3/30/2019</a:t>
             </a:fld>
             <a:endParaRPr lang="en-US"/>
           </a:p>
@@ -2309,7 +2313,7 @@
           <a:ln/>
           <a:extLst>
             <a:ext uri="{91240B29-F687-4f45-9708-019B960494DF}">
-              <a14:hiddenLine xmlns="" xmlns:a14="http://schemas.microsoft.com/office/drawing/2010/main" w="9525">
+              <a14:hiddenLine xmlns:a14="http://schemas.microsoft.com/office/drawing/2010/main" xmlns="" w="9525">
                 <a:solidFill>
                   <a:srgbClr val="000000"/>
                 </a:solidFill>
@@ -2437,7 +2441,7 @@
           <a:p>
             <a:fld id="{2C353367-3EB9-45A5-B1C9-D246A22C685C}" type="datetimeFigureOut">
               <a:rPr lang="en-US" smtClean="0"/>
-              <a:t>3/21/2019</a:t>
+              <a:t>3/30/2019</a:t>
             </a:fld>
             <a:endParaRPr lang="en-US"/>
           </a:p>
@@ -2780,7 +2784,7 @@
           <a:p>
             <a:fld id="{2C353367-3EB9-45A5-B1C9-D246A22C685C}" type="datetimeFigureOut">
               <a:rPr lang="en-US" smtClean="0"/>
-              <a:t>3/21/2019</a:t>
+              <a:t>3/30/2019</a:t>
             </a:fld>
             <a:endParaRPr lang="en-US"/>
           </a:p>
@@ -2935,7 +2939,7 @@
           <a:ln/>
           <a:extLst>
             <a:ext uri="{91240B29-F687-4f45-9708-019B960494DF}">
-              <a14:hiddenLine xmlns="" xmlns:a14="http://schemas.microsoft.com/office/drawing/2010/main" w="9525">
+              <a14:hiddenLine xmlns:a14="http://schemas.microsoft.com/office/drawing/2010/main" xmlns="" w="9525">
                 <a:solidFill>
                   <a:srgbClr val="000000"/>
                 </a:solidFill>
@@ -3119,7 +3123,7 @@
           <a:p>
             <a:fld id="{2C353367-3EB9-45A5-B1C9-D246A22C685C}" type="datetimeFigureOut">
               <a:rPr lang="en-US" smtClean="0"/>
-              <a:t>3/21/2019</a:t>
+              <a:t>3/30/2019</a:t>
             </a:fld>
             <a:endParaRPr lang="en-US"/>
           </a:p>
@@ -3274,7 +3278,7 @@
           <a:ln/>
           <a:extLst>
             <a:ext uri="{91240B29-F687-4f45-9708-019B960494DF}">
-              <a14:hiddenLine xmlns="" xmlns:a14="http://schemas.microsoft.com/office/drawing/2010/main" w="9525">
+              <a14:hiddenLine xmlns:a14="http://schemas.microsoft.com/office/drawing/2010/main" xmlns="" w="9525">
                 <a:solidFill>
                   <a:srgbClr val="000000"/>
                 </a:solidFill>
@@ -3596,7 +3600,7 @@
           <a:p>
             <a:fld id="{2C353367-3EB9-45A5-B1C9-D246A22C685C}" type="datetimeFigureOut">
               <a:rPr lang="en-US" smtClean="0"/>
-              <a:t>3/21/2019</a:t>
+              <a:t>3/30/2019</a:t>
             </a:fld>
             <a:endParaRPr lang="en-US"/>
           </a:p>
@@ -3751,7 +3755,7 @@
           <a:ln/>
           <a:extLst>
             <a:ext uri="{91240B29-F687-4f45-9708-019B960494DF}">
-              <a14:hiddenLine xmlns="" xmlns:a14="http://schemas.microsoft.com/office/drawing/2010/main" w="9525">
+              <a14:hiddenLine xmlns:a14="http://schemas.microsoft.com/office/drawing/2010/main" xmlns="" w="9525">
                 <a:solidFill>
                   <a:srgbClr val="000000"/>
                 </a:solidFill>
@@ -3817,7 +3821,7 @@
           <a:p>
             <a:fld id="{2C353367-3EB9-45A5-B1C9-D246A22C685C}" type="datetimeFigureOut">
               <a:rPr lang="en-US" smtClean="0"/>
-              <a:t>3/21/2019</a:t>
+              <a:t>3/30/2019</a:t>
             </a:fld>
             <a:endParaRPr lang="en-US"/>
           </a:p>
@@ -3912,7 +3916,7 @@
           <a:p>
             <a:fld id="{2C353367-3EB9-45A5-B1C9-D246A22C685C}" type="datetimeFigureOut">
               <a:rPr lang="en-US" smtClean="0"/>
-              <a:t>3/21/2019</a:t>
+              <a:t>3/30/2019</a:t>
             </a:fld>
             <a:endParaRPr lang="en-US"/>
           </a:p>
@@ -4180,7 +4184,7 @@
           <a:ln/>
           <a:extLst>
             <a:ext uri="{91240B29-F687-4f45-9708-019B960494DF}">
-              <a14:hiddenLine xmlns="" xmlns:a14="http://schemas.microsoft.com/office/drawing/2010/main" w="9525">
+              <a14:hiddenLine xmlns:a14="http://schemas.microsoft.com/office/drawing/2010/main" xmlns="" w="9525">
                 <a:solidFill>
                   <a:srgbClr val="000000"/>
                 </a:solidFill>
@@ -4379,7 +4383,7 @@
           <a:p>
             <a:fld id="{2C353367-3EB9-45A5-B1C9-D246A22C685C}" type="datetimeFigureOut">
               <a:rPr lang="en-US" smtClean="0"/>
-              <a:t>3/21/2019</a:t>
+              <a:t>3/30/2019</a:t>
             </a:fld>
             <a:endParaRPr lang="en-US"/>
           </a:p>
@@ -4692,7 +4696,7 @@
           <a:p>
             <a:fld id="{2C353367-3EB9-45A5-B1C9-D246A22C685C}" type="datetimeFigureOut">
               <a:rPr lang="en-US" smtClean="0"/>
-              <a:t>3/21/2019</a:t>
+              <a:t>3/30/2019</a:t>
             </a:fld>
             <a:endParaRPr lang="en-US"/>
           </a:p>
@@ -4962,7 +4966,7 @@
           <a:p>
             <a:fld id="{2C353367-3EB9-45A5-B1C9-D246A22C685C}" type="datetimeFigureOut">
               <a:rPr lang="en-US" smtClean="0"/>
-              <a:t>3/21/2019</a:t>
+              <a:t>3/30/2019</a:t>
             </a:fld>
             <a:endParaRPr lang="en-US"/>
           </a:p>
@@ -9344,6 +9348,1099 @@
           <p:cNvPr id="2" name="Title 1">
             <a:extLst>
               <a:ext uri="{FF2B5EF4-FFF2-40B4-BE49-F238E27FC236}">
+                <a16:creationId xmlns:a16="http://schemas.microsoft.com/office/drawing/2014/main" id="{379DE2D7-FCA7-4024-8C4F-2BE7620AA147}"/>
+              </a:ext>
+            </a:extLst>
+          </p:cNvPr>
+          <p:cNvSpPr>
+            <a:spLocks noGrp="1"/>
+          </p:cNvSpPr>
+          <p:nvPr>
+            <p:ph type="title"/>
+          </p:nvPr>
+        </p:nvSpPr>
+        <p:spPr>
+          <a:xfrm>
+            <a:off x="801288" y="1082219"/>
+            <a:ext cx="10571998" cy="970450"/>
+          </a:xfrm>
+        </p:spPr>
+        <p:txBody>
+          <a:bodyPr/>
+          <a:lstStyle/>
+          <a:p>
+            <a:r>
+              <a:rPr lang="en-US" dirty="0" err="1">
+                <a:solidFill>
+                  <a:schemeClr val="tx1"/>
+                </a:solidFill>
+              </a:rPr>
+              <a:t>Instalasi</a:t>
+            </a:r>
+            <a:r>
+              <a:rPr lang="en-US" dirty="0">
+                <a:solidFill>
+                  <a:schemeClr val="tx1"/>
+                </a:solidFill>
+              </a:rPr>
+              <a:t> </a:t>
+            </a:r>
+            <a:r>
+              <a:rPr lang="en-US" dirty="0" err="1">
+                <a:solidFill>
+                  <a:schemeClr val="tx1"/>
+                </a:solidFill>
+              </a:rPr>
+              <a:t>Jupyter</a:t>
+            </a:r>
+            <a:r>
+              <a:rPr lang="en-US" dirty="0">
+                <a:solidFill>
+                  <a:schemeClr val="tx1"/>
+                </a:solidFill>
+              </a:rPr>
+              <a:t> di Windows</a:t>
+            </a:r>
+            <a:br>
+              <a:rPr lang="en-US" dirty="0">
+                <a:solidFill>
+                  <a:schemeClr val="tx1"/>
+                </a:solidFill>
+              </a:rPr>
+            </a:br>
+            <a:r>
+              <a:rPr lang="en-US" dirty="0" err="1">
+                <a:solidFill>
+                  <a:schemeClr val="tx1"/>
+                </a:solidFill>
+              </a:rPr>
+              <a:t>menggunakan</a:t>
+            </a:r>
+            <a:r>
+              <a:rPr lang="en-US" dirty="0">
+                <a:solidFill>
+                  <a:schemeClr val="tx1"/>
+                </a:solidFill>
+              </a:rPr>
+              <a:t> pip</a:t>
+            </a:r>
+            <a:br>
+              <a:rPr lang="en-US" dirty="0">
+                <a:solidFill>
+                  <a:schemeClr val="tx1"/>
+                </a:solidFill>
+              </a:rPr>
+            </a:br>
+            <a:endParaRPr lang="en-US" dirty="0"/>
+          </a:p>
+        </p:txBody>
+      </p:sp>
+      <p:sp>
+        <p:nvSpPr>
+          <p:cNvPr id="3" name="Content Placeholder 2">
+            <a:extLst>
+              <a:ext uri="{FF2B5EF4-FFF2-40B4-BE49-F238E27FC236}">
+                <a16:creationId xmlns:a16="http://schemas.microsoft.com/office/drawing/2014/main" id="{4F84D6FA-357B-41D2-884A-18091ADC97AE}"/>
+              </a:ext>
+            </a:extLst>
+          </p:cNvPr>
+          <p:cNvSpPr>
+            <a:spLocks noGrp="1"/>
+          </p:cNvSpPr>
+          <p:nvPr>
+            <p:ph idx="1"/>
+          </p:nvPr>
+        </p:nvSpPr>
+        <p:spPr/>
+        <p:txBody>
+          <a:bodyPr/>
+          <a:lstStyle/>
+          <a:p>
+            <a:pPr fontAlgn="base"/>
+            <a:r>
+              <a:rPr lang="en-US" dirty="0" err="1"/>
+              <a:t>Untuk</a:t>
+            </a:r>
+            <a:r>
+              <a:rPr lang="en-US" dirty="0"/>
+              <a:t> </a:t>
+            </a:r>
+            <a:r>
+              <a:rPr lang="en-US" dirty="0" err="1"/>
+              <a:t>melakukan</a:t>
+            </a:r>
+            <a:r>
+              <a:rPr lang="en-US" dirty="0"/>
+              <a:t> </a:t>
+            </a:r>
+            <a:r>
+              <a:rPr lang="en-US" dirty="0" err="1"/>
+              <a:t>instalasi</a:t>
+            </a:r>
+            <a:r>
+              <a:rPr lang="en-US" dirty="0"/>
+              <a:t> </a:t>
+            </a:r>
+            <a:r>
+              <a:rPr lang="en-US" dirty="0" err="1"/>
+              <a:t>jupyter</a:t>
+            </a:r>
+            <a:r>
+              <a:rPr lang="en-US" dirty="0"/>
+              <a:t> di windows </a:t>
+            </a:r>
+            <a:r>
+              <a:rPr lang="en-US" dirty="0" err="1"/>
+              <a:t>menggunakan</a:t>
+            </a:r>
+            <a:r>
+              <a:rPr lang="en-US" dirty="0"/>
+              <a:t> pip, </a:t>
+            </a:r>
+            <a:r>
+              <a:rPr lang="en-US" dirty="0" err="1"/>
+              <a:t>pastikan</a:t>
+            </a:r>
+            <a:r>
+              <a:rPr lang="en-US" dirty="0"/>
+              <a:t> </a:t>
+            </a:r>
+            <a:r>
+              <a:rPr lang="en-US" dirty="0" err="1"/>
+              <a:t>terlebih</a:t>
+            </a:r>
+            <a:r>
+              <a:rPr lang="en-US" dirty="0"/>
+              <a:t> </a:t>
+            </a:r>
+            <a:r>
+              <a:rPr lang="en-US" dirty="0" err="1"/>
+              <a:t>dahulu</a:t>
+            </a:r>
+            <a:r>
+              <a:rPr lang="en-US" dirty="0"/>
+              <a:t> </a:t>
+            </a:r>
+            <a:r>
+              <a:rPr lang="en-US" dirty="0" err="1"/>
+              <a:t>telah</a:t>
+            </a:r>
+            <a:r>
+              <a:rPr lang="en-US" dirty="0"/>
+              <a:t> </a:t>
+            </a:r>
+            <a:r>
+              <a:rPr lang="en-US" dirty="0" err="1"/>
+              <a:t>melakukan</a:t>
+            </a:r>
+            <a:r>
+              <a:rPr lang="en-US" dirty="0"/>
+              <a:t> </a:t>
+            </a:r>
+            <a:r>
+              <a:rPr lang="en-US" dirty="0" err="1">
+                <a:hlinkClick r:id="rId2"/>
+              </a:rPr>
+              <a:t>instalasi</a:t>
+            </a:r>
+            <a:r>
+              <a:rPr lang="en-US" dirty="0">
+                <a:hlinkClick r:id="rId2"/>
+              </a:rPr>
+              <a:t> python di windows</a:t>
+            </a:r>
+            <a:r>
+              <a:rPr lang="en-US" dirty="0"/>
+              <a:t>. Setelah </a:t>
+            </a:r>
+            <a:r>
+              <a:rPr lang="en-US" dirty="0" err="1"/>
+              <a:t>terinstall</a:t>
+            </a:r>
+            <a:r>
+              <a:rPr lang="en-US" dirty="0"/>
+              <a:t> </a:t>
+            </a:r>
+            <a:r>
+              <a:rPr lang="en-US" dirty="0" err="1"/>
+              <a:t>pythonnya</a:t>
+            </a:r>
+            <a:r>
+              <a:rPr lang="en-US" dirty="0"/>
+              <a:t>, </a:t>
+            </a:r>
+            <a:r>
+              <a:rPr lang="en-US" dirty="0" err="1"/>
+              <a:t>silahkan</a:t>
+            </a:r>
+            <a:r>
+              <a:rPr lang="en-US" dirty="0"/>
+              <a:t> </a:t>
+            </a:r>
+            <a:r>
+              <a:rPr lang="en-US" dirty="0" err="1"/>
+              <a:t>jalankan</a:t>
+            </a:r>
+            <a:r>
+              <a:rPr lang="en-US" dirty="0"/>
+              <a:t> command </a:t>
+            </a:r>
+            <a:r>
+              <a:rPr lang="en-US" dirty="0" err="1"/>
+              <a:t>dibawah</a:t>
+            </a:r>
+            <a:r>
+              <a:rPr lang="en-US" dirty="0"/>
+              <a:t> </a:t>
+            </a:r>
+            <a:r>
+              <a:rPr lang="en-US" dirty="0" err="1"/>
+              <a:t>ini</a:t>
+            </a:r>
+            <a:r>
+              <a:rPr lang="en-US" dirty="0"/>
+              <a:t>:</a:t>
+            </a:r>
+          </a:p>
+          <a:p>
+            <a:pPr fontAlgn="base"/>
+            <a:r>
+              <a:rPr lang="en-US" dirty="0" err="1"/>
+              <a:t>Untuk</a:t>
+            </a:r>
+            <a:r>
+              <a:rPr lang="en-US" dirty="0"/>
+              <a:t> yang </a:t>
+            </a:r>
+            <a:r>
+              <a:rPr lang="en-US" dirty="0" err="1"/>
+              <a:t>menggunakan</a:t>
+            </a:r>
+            <a:r>
+              <a:rPr lang="en-US" dirty="0"/>
+              <a:t> python </a:t>
+            </a:r>
+            <a:r>
+              <a:rPr lang="en-US" dirty="0" err="1"/>
+              <a:t>versi</a:t>
+            </a:r>
+            <a:r>
+              <a:rPr lang="en-US" dirty="0"/>
+              <a:t> 3 (</a:t>
+            </a:r>
+            <a:r>
+              <a:rPr lang="en-US" dirty="0" err="1"/>
+              <a:t>Direkomendasikan</a:t>
+            </a:r>
+            <a:r>
+              <a:rPr lang="en-US" dirty="0"/>
+              <a:t>)</a:t>
+            </a:r>
+          </a:p>
+          <a:p>
+            <a:pPr fontAlgn="base"/>
+            <a:endParaRPr lang="en-US" dirty="0"/>
+          </a:p>
+          <a:p>
+            <a:pPr fontAlgn="base"/>
+            <a:endParaRPr lang="en-US" dirty="0"/>
+          </a:p>
+          <a:p>
+            <a:pPr fontAlgn="base"/>
+            <a:r>
+              <a:rPr lang="en-US" dirty="0" err="1"/>
+              <a:t>Untuk</a:t>
+            </a:r>
+            <a:r>
+              <a:rPr lang="en-US" dirty="0"/>
+              <a:t> yang </a:t>
+            </a:r>
+            <a:r>
+              <a:rPr lang="en-US" dirty="0" err="1"/>
+              <a:t>menggunakan</a:t>
+            </a:r>
+            <a:r>
+              <a:rPr lang="en-US" dirty="0"/>
+              <a:t> python </a:t>
+            </a:r>
+            <a:r>
+              <a:rPr lang="en-US" dirty="0" err="1"/>
+              <a:t>versi</a:t>
+            </a:r>
+            <a:r>
+              <a:rPr lang="en-US" dirty="0"/>
+              <a:t> 2</a:t>
+            </a:r>
+          </a:p>
+          <a:p>
+            <a:pPr fontAlgn="base"/>
+            <a:endParaRPr lang="en-US" dirty="0"/>
+          </a:p>
+          <a:p>
+            <a:endParaRPr lang="en-US" dirty="0"/>
+          </a:p>
+          <a:p>
+            <a:endParaRPr lang="en-US" dirty="0"/>
+          </a:p>
+        </p:txBody>
+      </p:sp>
+      <p:pic>
+        <p:nvPicPr>
+          <p:cNvPr id="4" name="Picture 3">
+            <a:extLst>
+              <a:ext uri="{FF2B5EF4-FFF2-40B4-BE49-F238E27FC236}">
+                <a16:creationId xmlns:a16="http://schemas.microsoft.com/office/drawing/2014/main" id="{A262AD97-D629-4091-8A44-81F898D7641F}"/>
+              </a:ext>
+            </a:extLst>
+          </p:cNvPr>
+          <p:cNvPicPr>
+            <a:picLocks noChangeAspect="1"/>
+          </p:cNvPicPr>
+          <p:nvPr/>
+        </p:nvPicPr>
+        <p:blipFill>
+          <a:blip r:embed="rId3"/>
+          <a:stretch>
+            <a:fillRect/>
+          </a:stretch>
+        </p:blipFill>
+        <p:spPr>
+          <a:xfrm>
+            <a:off x="1324683" y="3558192"/>
+            <a:ext cx="3548873" cy="691838"/>
+          </a:xfrm>
+          <a:prstGeom prst="rect">
+            <a:avLst/>
+          </a:prstGeom>
+        </p:spPr>
+      </p:pic>
+      <p:pic>
+        <p:nvPicPr>
+          <p:cNvPr id="5" name="Picture 4">
+            <a:extLst>
+              <a:ext uri="{FF2B5EF4-FFF2-40B4-BE49-F238E27FC236}">
+                <a16:creationId xmlns:a16="http://schemas.microsoft.com/office/drawing/2014/main" id="{3CCAD2E6-B492-474D-A8B5-AAC523F7995B}"/>
+              </a:ext>
+            </a:extLst>
+          </p:cNvPr>
+          <p:cNvPicPr>
+            <a:picLocks noChangeAspect="1"/>
+          </p:cNvPicPr>
+          <p:nvPr/>
+        </p:nvPicPr>
+        <p:blipFill>
+          <a:blip r:embed="rId4"/>
+          <a:stretch>
+            <a:fillRect/>
+          </a:stretch>
+        </p:blipFill>
+        <p:spPr>
+          <a:xfrm>
+            <a:off x="1324683" y="4914980"/>
+            <a:ext cx="3363115" cy="610295"/>
+          </a:xfrm>
+          <a:prstGeom prst="rect">
+            <a:avLst/>
+          </a:prstGeom>
+        </p:spPr>
+      </p:pic>
+    </p:spTree>
+    <p:extLst>
+      <p:ext uri="{BB962C8B-B14F-4D97-AF65-F5344CB8AC3E}">
+        <p14:creationId xmlns:p14="http://schemas.microsoft.com/office/powerpoint/2010/main" val="2365018118"/>
+      </p:ext>
+    </p:extLst>
+  </p:cSld>
+  <p:clrMapOvr>
+    <a:masterClrMapping/>
+  </p:clrMapOvr>
+</p:sld>
+</file>
+
+<file path=ppt/slides/slide23.xml><?xml version="1.0" encoding="utf-8"?>
+<p:sld xmlns:a="http://schemas.openxmlformats.org/drawingml/2006/main" xmlns:r="http://schemas.openxmlformats.org/officeDocument/2006/relationships" xmlns:p="http://schemas.openxmlformats.org/presentationml/2006/main">
+  <p:cSld>
+    <p:spTree>
+      <p:nvGrpSpPr>
+        <p:cNvPr id="1" name=""/>
+        <p:cNvGrpSpPr/>
+        <p:nvPr/>
+      </p:nvGrpSpPr>
+      <p:grpSpPr>
+        <a:xfrm>
+          <a:off x="0" y="0"/>
+          <a:ext cx="0" cy="0"/>
+          <a:chOff x="0" y="0"/>
+          <a:chExt cx="0" cy="0"/>
+        </a:xfrm>
+      </p:grpSpPr>
+      <p:sp>
+        <p:nvSpPr>
+          <p:cNvPr id="2" name="Title 1">
+            <a:extLst>
+              <a:ext uri="{FF2B5EF4-FFF2-40B4-BE49-F238E27FC236}">
+                <a16:creationId xmlns:a16="http://schemas.microsoft.com/office/drawing/2014/main" id="{FB45E90A-B823-4478-B1A1-FD8BF11388DB}"/>
+              </a:ext>
+            </a:extLst>
+          </p:cNvPr>
+          <p:cNvSpPr>
+            <a:spLocks noGrp="1"/>
+          </p:cNvSpPr>
+          <p:nvPr>
+            <p:ph type="title"/>
+          </p:nvPr>
+        </p:nvSpPr>
+        <p:spPr/>
+        <p:txBody>
+          <a:bodyPr/>
+          <a:lstStyle/>
+          <a:p>
+            <a:endParaRPr lang="en-US"/>
+          </a:p>
+        </p:txBody>
+      </p:sp>
+      <p:sp>
+        <p:nvSpPr>
+          <p:cNvPr id="3" name="Content Placeholder 2">
+            <a:extLst>
+              <a:ext uri="{FF2B5EF4-FFF2-40B4-BE49-F238E27FC236}">
+                <a16:creationId xmlns:a16="http://schemas.microsoft.com/office/drawing/2014/main" id="{16178006-349E-4380-A604-EF022F9CBE75}"/>
+              </a:ext>
+            </a:extLst>
+          </p:cNvPr>
+          <p:cNvSpPr>
+            <a:spLocks noGrp="1"/>
+          </p:cNvSpPr>
+          <p:nvPr>
+            <p:ph idx="1"/>
+          </p:nvPr>
+        </p:nvSpPr>
+        <p:spPr>
+          <a:xfrm>
+            <a:off x="712695" y="1610744"/>
+            <a:ext cx="10554574" cy="3636511"/>
+          </a:xfrm>
+        </p:spPr>
+        <p:txBody>
+          <a:bodyPr/>
+          <a:lstStyle/>
+          <a:p>
+            <a:pPr marL="0" indent="0">
+              <a:buNone/>
+            </a:pPr>
+            <a:r>
+              <a:rPr lang="en-US" dirty="0"/>
+              <a:t>Setelah </a:t>
+            </a:r>
+            <a:r>
+              <a:rPr lang="en-US" dirty="0" err="1"/>
+              <a:t>melakukan</a:t>
+            </a:r>
+            <a:r>
+              <a:rPr lang="en-US" dirty="0"/>
+              <a:t> </a:t>
+            </a:r>
+            <a:r>
+              <a:rPr lang="en-US" dirty="0" err="1"/>
+              <a:t>instalasi</a:t>
+            </a:r>
+            <a:r>
+              <a:rPr lang="en-US" dirty="0"/>
+              <a:t> </a:t>
+            </a:r>
+            <a:r>
+              <a:rPr lang="en-US" dirty="0" err="1"/>
+              <a:t>jupyter</a:t>
+            </a:r>
+            <a:r>
+              <a:rPr lang="en-US" dirty="0"/>
+              <a:t> di windows, </a:t>
+            </a:r>
+            <a:r>
+              <a:rPr lang="en-US" dirty="0" err="1"/>
+              <a:t>pastikan</a:t>
+            </a:r>
+            <a:r>
+              <a:rPr lang="en-US" dirty="0"/>
+              <a:t> </a:t>
+            </a:r>
+            <a:r>
+              <a:rPr lang="en-US" dirty="0" err="1"/>
+              <a:t>tidak</a:t>
+            </a:r>
+            <a:r>
+              <a:rPr lang="en-US" dirty="0"/>
+              <a:t> </a:t>
+            </a:r>
+            <a:r>
+              <a:rPr lang="en-US" dirty="0" err="1"/>
+              <a:t>ada</a:t>
+            </a:r>
+            <a:r>
+              <a:rPr lang="en-US" dirty="0"/>
+              <a:t> error </a:t>
+            </a:r>
+            <a:r>
+              <a:rPr lang="en-US" dirty="0" err="1"/>
+              <a:t>saat</a:t>
+            </a:r>
+            <a:r>
+              <a:rPr lang="en-US" dirty="0"/>
+              <a:t> </a:t>
+            </a:r>
+            <a:r>
+              <a:rPr lang="en-US" dirty="0" err="1"/>
+              <a:t>melakukan</a:t>
+            </a:r>
+            <a:r>
+              <a:rPr lang="en-US" dirty="0"/>
+              <a:t> </a:t>
+            </a:r>
+            <a:r>
+              <a:rPr lang="en-US" dirty="0" err="1"/>
+              <a:t>instalasi</a:t>
+            </a:r>
+            <a:r>
+              <a:rPr lang="en-US" dirty="0"/>
+              <a:t>. </a:t>
+            </a:r>
+            <a:r>
+              <a:rPr lang="en-US" dirty="0" err="1"/>
+              <a:t>Untuk</a:t>
+            </a:r>
+            <a:r>
+              <a:rPr lang="en-US" dirty="0"/>
+              <a:t> </a:t>
+            </a:r>
+            <a:r>
+              <a:rPr lang="en-US" dirty="0" err="1"/>
+              <a:t>mengecek</a:t>
+            </a:r>
+            <a:r>
+              <a:rPr lang="en-US" dirty="0"/>
+              <a:t> </a:t>
+            </a:r>
+            <a:r>
+              <a:rPr lang="en-US" dirty="0" err="1"/>
+              <a:t>jupyter</a:t>
+            </a:r>
+            <a:r>
+              <a:rPr lang="en-US" dirty="0"/>
+              <a:t> </a:t>
+            </a:r>
+            <a:r>
+              <a:rPr lang="en-US" dirty="0" err="1"/>
+              <a:t>telah</a:t>
+            </a:r>
+            <a:r>
+              <a:rPr lang="en-US" dirty="0"/>
+              <a:t> </a:t>
+            </a:r>
+            <a:r>
+              <a:rPr lang="en-US" dirty="0" err="1"/>
+              <a:t>terinstall</a:t>
+            </a:r>
+            <a:r>
+              <a:rPr lang="en-US" dirty="0"/>
+              <a:t>, </a:t>
+            </a:r>
+            <a:r>
+              <a:rPr lang="en-US" dirty="0" err="1"/>
+              <a:t>bisa</a:t>
+            </a:r>
+            <a:r>
+              <a:rPr lang="en-US" dirty="0"/>
+              <a:t> </a:t>
+            </a:r>
+            <a:r>
+              <a:rPr lang="en-US" dirty="0" err="1"/>
+              <a:t>menggunakan</a:t>
+            </a:r>
+            <a:r>
+              <a:rPr lang="en-US" dirty="0"/>
+              <a:t> command pada CMD pada windows </a:t>
+            </a:r>
+            <a:r>
+              <a:rPr lang="en-US" dirty="0" err="1"/>
+              <a:t>atau</a:t>
+            </a:r>
+            <a:r>
+              <a:rPr lang="en-US" dirty="0"/>
+              <a:t> Terminal di Linux/MacOS </a:t>
+            </a:r>
+            <a:r>
+              <a:rPr lang="en-US" dirty="0" err="1"/>
+              <a:t>seperti</a:t>
+            </a:r>
+            <a:r>
+              <a:rPr lang="en-US" dirty="0"/>
+              <a:t> </a:t>
+            </a:r>
+            <a:r>
+              <a:rPr lang="en-US" dirty="0" err="1"/>
+              <a:t>dibawah</a:t>
+            </a:r>
+            <a:r>
+              <a:rPr lang="en-US" dirty="0"/>
+              <a:t> </a:t>
+            </a:r>
+            <a:r>
+              <a:rPr lang="en-US" dirty="0" err="1"/>
+              <a:t>ini</a:t>
+            </a:r>
+            <a:r>
+              <a:rPr lang="en-US" dirty="0"/>
+              <a:t>:</a:t>
+            </a:r>
+          </a:p>
+          <a:p>
+            <a:pPr marL="0" indent="0">
+              <a:buNone/>
+            </a:pPr>
+            <a:endParaRPr lang="en-US" dirty="0"/>
+          </a:p>
+          <a:p>
+            <a:pPr marL="0" indent="0">
+              <a:buNone/>
+            </a:pPr>
+            <a:endParaRPr lang="en-US" dirty="0"/>
+          </a:p>
+          <a:p>
+            <a:endParaRPr lang="en-US" dirty="0"/>
+          </a:p>
+        </p:txBody>
+      </p:sp>
+      <p:pic>
+        <p:nvPicPr>
+          <p:cNvPr id="4" name="Picture 3">
+            <a:extLst>
+              <a:ext uri="{FF2B5EF4-FFF2-40B4-BE49-F238E27FC236}">
+                <a16:creationId xmlns:a16="http://schemas.microsoft.com/office/drawing/2014/main" id="{7B8315C1-EE22-4659-8E0C-FD0C2A791696}"/>
+              </a:ext>
+            </a:extLst>
+          </p:cNvPr>
+          <p:cNvPicPr>
+            <a:picLocks noChangeAspect="1"/>
+          </p:cNvPicPr>
+          <p:nvPr/>
+        </p:nvPicPr>
+        <p:blipFill>
+          <a:blip r:embed="rId2"/>
+          <a:stretch>
+            <a:fillRect/>
+          </a:stretch>
+        </p:blipFill>
+        <p:spPr>
+          <a:xfrm>
+            <a:off x="1732226" y="3428999"/>
+            <a:ext cx="6996698" cy="3114809"/>
+          </a:xfrm>
+          <a:prstGeom prst="rect">
+            <a:avLst/>
+          </a:prstGeom>
+        </p:spPr>
+      </p:pic>
+    </p:spTree>
+    <p:extLst>
+      <p:ext uri="{BB962C8B-B14F-4D97-AF65-F5344CB8AC3E}">
+        <p14:creationId xmlns:p14="http://schemas.microsoft.com/office/powerpoint/2010/main" val="2922272000"/>
+      </p:ext>
+    </p:extLst>
+  </p:cSld>
+  <p:clrMapOvr>
+    <a:masterClrMapping/>
+  </p:clrMapOvr>
+</p:sld>
+</file>
+
+<file path=ppt/slides/slide24.xml><?xml version="1.0" encoding="utf-8"?>
+<p:sld xmlns:a="http://schemas.openxmlformats.org/drawingml/2006/main" xmlns:r="http://schemas.openxmlformats.org/officeDocument/2006/relationships" xmlns:p="http://schemas.openxmlformats.org/presentationml/2006/main">
+  <p:cSld>
+    <p:spTree>
+      <p:nvGrpSpPr>
+        <p:cNvPr id="1" name=""/>
+        <p:cNvGrpSpPr/>
+        <p:nvPr/>
+      </p:nvGrpSpPr>
+      <p:grpSpPr>
+        <a:xfrm>
+          <a:off x="0" y="0"/>
+          <a:ext cx="0" cy="0"/>
+          <a:chOff x="0" y="0"/>
+          <a:chExt cx="0" cy="0"/>
+        </a:xfrm>
+      </p:grpSpPr>
+      <p:sp>
+        <p:nvSpPr>
+          <p:cNvPr id="2" name="Title 1">
+            <a:extLst>
+              <a:ext uri="{FF2B5EF4-FFF2-40B4-BE49-F238E27FC236}">
+                <a16:creationId xmlns:a16="http://schemas.microsoft.com/office/drawing/2014/main" id="{F38B972E-B781-4A93-9DDB-03D2D8E3EEFD}"/>
+              </a:ext>
+            </a:extLst>
+          </p:cNvPr>
+          <p:cNvSpPr>
+            <a:spLocks noGrp="1"/>
+          </p:cNvSpPr>
+          <p:nvPr>
+            <p:ph type="title"/>
+          </p:nvPr>
+        </p:nvSpPr>
+        <p:spPr/>
+        <p:txBody>
+          <a:bodyPr/>
+          <a:lstStyle/>
+          <a:p>
+            <a:endParaRPr lang="en-US" dirty="0"/>
+          </a:p>
+        </p:txBody>
+      </p:sp>
+      <p:sp>
+        <p:nvSpPr>
+          <p:cNvPr id="3" name="Content Placeholder 2">
+            <a:extLst>
+              <a:ext uri="{FF2B5EF4-FFF2-40B4-BE49-F238E27FC236}">
+                <a16:creationId xmlns:a16="http://schemas.microsoft.com/office/drawing/2014/main" id="{6250B0F1-E49F-4855-A8FD-6AF750D96919}"/>
+              </a:ext>
+            </a:extLst>
+          </p:cNvPr>
+          <p:cNvSpPr>
+            <a:spLocks noGrp="1"/>
+          </p:cNvSpPr>
+          <p:nvPr>
+            <p:ph idx="1"/>
+          </p:nvPr>
+        </p:nvSpPr>
+        <p:spPr>
+          <a:xfrm>
+            <a:off x="961019" y="1095852"/>
+            <a:ext cx="10554574" cy="3636511"/>
+          </a:xfrm>
+        </p:spPr>
+        <p:txBody>
+          <a:bodyPr/>
+          <a:lstStyle/>
+          <a:p>
+            <a:pPr marL="0" indent="0">
+              <a:buNone/>
+            </a:pPr>
+            <a:r>
+              <a:rPr lang="en-US" dirty="0"/>
+              <a:t>Akan </a:t>
+            </a:r>
+            <a:r>
+              <a:rPr lang="en-US" dirty="0" err="1"/>
+              <a:t>muncul</a:t>
+            </a:r>
+            <a:r>
+              <a:rPr lang="en-US" dirty="0"/>
+              <a:t> </a:t>
+            </a:r>
+            <a:r>
+              <a:rPr lang="en-US" dirty="0" err="1"/>
+              <a:t>tampilan</a:t>
+            </a:r>
+            <a:r>
+              <a:rPr lang="en-US" dirty="0"/>
+              <a:t> </a:t>
+            </a:r>
+            <a:r>
+              <a:rPr lang="en-US" dirty="0" err="1"/>
+              <a:t>jupyter</a:t>
+            </a:r>
+            <a:r>
+              <a:rPr lang="en-US" dirty="0"/>
+              <a:t> pada browser </a:t>
+            </a:r>
+            <a:r>
+              <a:rPr lang="en-US" dirty="0" err="1"/>
+              <a:t>dengan</a:t>
+            </a:r>
+            <a:r>
+              <a:rPr lang="en-US" dirty="0"/>
+              <a:t> </a:t>
+            </a:r>
+            <a:r>
+              <a:rPr lang="en-US" dirty="0" err="1"/>
+              <a:t>url</a:t>
+            </a:r>
+            <a:r>
+              <a:rPr lang="en-US" dirty="0"/>
+              <a:t> </a:t>
+            </a:r>
+            <a:r>
+              <a:rPr lang="en-US" b="1" dirty="0">
+                <a:hlinkClick r:id="rId2"/>
+              </a:rPr>
+              <a:t>http://localhost:8888</a:t>
+            </a:r>
+            <a:endParaRPr lang="en-US" b="1" dirty="0"/>
+          </a:p>
+          <a:p>
+            <a:pPr marL="0" indent="0">
+              <a:buNone/>
+            </a:pPr>
+            <a:endParaRPr lang="en-US" dirty="0"/>
+          </a:p>
+          <a:p>
+            <a:pPr marL="0" indent="0">
+              <a:buNone/>
+            </a:pPr>
+            <a:endParaRPr lang="en-US" dirty="0"/>
+          </a:p>
+        </p:txBody>
+      </p:sp>
+      <p:pic>
+        <p:nvPicPr>
+          <p:cNvPr id="4" name="Picture 3">
+            <a:extLst>
+              <a:ext uri="{FF2B5EF4-FFF2-40B4-BE49-F238E27FC236}">
+                <a16:creationId xmlns:a16="http://schemas.microsoft.com/office/drawing/2014/main" id="{753143EF-B8F1-45FB-A7AD-FA2B46B7C31A}"/>
+              </a:ext>
+            </a:extLst>
+          </p:cNvPr>
+          <p:cNvPicPr>
+            <a:picLocks noChangeAspect="1"/>
+          </p:cNvPicPr>
+          <p:nvPr/>
+        </p:nvPicPr>
+        <p:blipFill>
+          <a:blip r:embed="rId3"/>
+          <a:stretch>
+            <a:fillRect/>
+          </a:stretch>
+        </p:blipFill>
+        <p:spPr>
+          <a:xfrm>
+            <a:off x="3150766" y="2896251"/>
+            <a:ext cx="6175079" cy="3672223"/>
+          </a:xfrm>
+          <a:prstGeom prst="rect">
+            <a:avLst/>
+          </a:prstGeom>
+        </p:spPr>
+      </p:pic>
+    </p:spTree>
+    <p:extLst>
+      <p:ext uri="{BB962C8B-B14F-4D97-AF65-F5344CB8AC3E}">
+        <p14:creationId xmlns:p14="http://schemas.microsoft.com/office/powerpoint/2010/main" val="189093232"/>
+      </p:ext>
+    </p:extLst>
+  </p:cSld>
+  <p:clrMapOvr>
+    <a:masterClrMapping/>
+  </p:clrMapOvr>
+</p:sld>
+</file>
+
+<file path=ppt/slides/slide25.xml><?xml version="1.0" encoding="utf-8"?>
+<p:sld xmlns:a="http://schemas.openxmlformats.org/drawingml/2006/main" xmlns:r="http://schemas.openxmlformats.org/officeDocument/2006/relationships" xmlns:p="http://schemas.openxmlformats.org/presentationml/2006/main">
+  <p:cSld>
+    <p:spTree>
+      <p:nvGrpSpPr>
+        <p:cNvPr id="1" name=""/>
+        <p:cNvGrpSpPr/>
+        <p:nvPr/>
+      </p:nvGrpSpPr>
+      <p:grpSpPr>
+        <a:xfrm>
+          <a:off x="0" y="0"/>
+          <a:ext cx="0" cy="0"/>
+          <a:chOff x="0" y="0"/>
+          <a:chExt cx="0" cy="0"/>
+        </a:xfrm>
+      </p:grpSpPr>
+      <p:sp>
+        <p:nvSpPr>
+          <p:cNvPr id="2" name="Title 1">
+            <a:extLst>
+              <a:ext uri="{FF2B5EF4-FFF2-40B4-BE49-F238E27FC236}">
+                <a16:creationId xmlns:a16="http://schemas.microsoft.com/office/drawing/2014/main" id="{E19B0805-050D-4E92-B741-1505D1E3E50E}"/>
+              </a:ext>
+            </a:extLst>
+          </p:cNvPr>
+          <p:cNvSpPr>
+            <a:spLocks noGrp="1"/>
+          </p:cNvSpPr>
+          <p:nvPr>
+            <p:ph type="title"/>
+          </p:nvPr>
+        </p:nvSpPr>
+        <p:spPr/>
+        <p:txBody>
+          <a:bodyPr/>
+          <a:lstStyle/>
+          <a:p>
+            <a:r>
+              <a:rPr lang="en-US" dirty="0"/>
+              <a:t>Install seaborn</a:t>
+            </a:r>
+          </a:p>
+        </p:txBody>
+      </p:sp>
+      <p:sp>
+        <p:nvSpPr>
+          <p:cNvPr id="3" name="Content Placeholder 2">
+            <a:extLst>
+              <a:ext uri="{FF2B5EF4-FFF2-40B4-BE49-F238E27FC236}">
+                <a16:creationId xmlns:a16="http://schemas.microsoft.com/office/drawing/2014/main" id="{BB02815F-65BE-4423-8617-AE4A28CEAF6B}"/>
+              </a:ext>
+            </a:extLst>
+          </p:cNvPr>
+          <p:cNvSpPr>
+            <a:spLocks noGrp="1"/>
+          </p:cNvSpPr>
+          <p:nvPr>
+            <p:ph idx="1"/>
+          </p:nvPr>
+        </p:nvSpPr>
+        <p:spPr/>
+        <p:txBody>
+          <a:bodyPr/>
+          <a:lstStyle/>
+          <a:p>
+            <a:r>
+              <a:rPr lang="en-US" dirty="0" err="1"/>
+              <a:t>Menggunakan</a:t>
+            </a:r>
+            <a:r>
+              <a:rPr lang="en-US" dirty="0"/>
+              <a:t> pip</a:t>
+            </a:r>
+          </a:p>
+          <a:p>
+            <a:pPr marL="0" indent="0">
+              <a:buNone/>
+            </a:pPr>
+            <a:endParaRPr lang="en-US" dirty="0"/>
+          </a:p>
+          <a:p>
+            <a:pPr marL="0" indent="0">
+              <a:buNone/>
+            </a:pPr>
+            <a:endParaRPr lang="en-US" dirty="0"/>
+          </a:p>
+          <a:p>
+            <a:r>
+              <a:rPr lang="en-US" dirty="0" err="1"/>
+              <a:t>Menggunakan</a:t>
+            </a:r>
+            <a:r>
+              <a:rPr lang="en-US" dirty="0"/>
+              <a:t> </a:t>
+            </a:r>
+            <a:r>
+              <a:rPr lang="en-US" dirty="0" err="1"/>
+              <a:t>conda</a:t>
+            </a:r>
+            <a:r>
+              <a:rPr lang="en-US" dirty="0"/>
+              <a:t> </a:t>
+            </a:r>
+          </a:p>
+          <a:p>
+            <a:endParaRPr lang="en-US" dirty="0"/>
+          </a:p>
+          <a:p>
+            <a:endParaRPr lang="en-US" dirty="0"/>
+          </a:p>
+        </p:txBody>
+      </p:sp>
+      <p:pic>
+        <p:nvPicPr>
+          <p:cNvPr id="4" name="Picture 3">
+            <a:extLst>
+              <a:ext uri="{FF2B5EF4-FFF2-40B4-BE49-F238E27FC236}">
+                <a16:creationId xmlns:a16="http://schemas.microsoft.com/office/drawing/2014/main" id="{6A29EE5F-1A6F-4DCC-8BB3-2CEFE25F01C1}"/>
+              </a:ext>
+            </a:extLst>
+          </p:cNvPr>
+          <p:cNvPicPr>
+            <a:picLocks noChangeAspect="1"/>
+          </p:cNvPicPr>
+          <p:nvPr/>
+        </p:nvPicPr>
+        <p:blipFill>
+          <a:blip r:embed="rId2"/>
+          <a:stretch>
+            <a:fillRect/>
+          </a:stretch>
+        </p:blipFill>
+        <p:spPr>
+          <a:xfrm>
+            <a:off x="1216094" y="3421417"/>
+            <a:ext cx="8010525" cy="619125"/>
+          </a:xfrm>
+          <a:prstGeom prst="rect">
+            <a:avLst/>
+          </a:prstGeom>
+        </p:spPr>
+      </p:pic>
+      <p:pic>
+        <p:nvPicPr>
+          <p:cNvPr id="5" name="Picture 4">
+            <a:extLst>
+              <a:ext uri="{FF2B5EF4-FFF2-40B4-BE49-F238E27FC236}">
+                <a16:creationId xmlns:a16="http://schemas.microsoft.com/office/drawing/2014/main" id="{FB468F5D-9D39-4EF1-BECE-387CB746F8BD}"/>
+              </a:ext>
+            </a:extLst>
+          </p:cNvPr>
+          <p:cNvPicPr>
+            <a:picLocks noChangeAspect="1"/>
+          </p:cNvPicPr>
+          <p:nvPr/>
+        </p:nvPicPr>
+        <p:blipFill>
+          <a:blip r:embed="rId3"/>
+          <a:stretch>
+            <a:fillRect/>
+          </a:stretch>
+        </p:blipFill>
+        <p:spPr>
+          <a:xfrm>
+            <a:off x="1216094" y="4592778"/>
+            <a:ext cx="6934200" cy="504825"/>
+          </a:xfrm>
+          <a:prstGeom prst="rect">
+            <a:avLst/>
+          </a:prstGeom>
+        </p:spPr>
+      </p:pic>
+    </p:spTree>
+    <p:extLst>
+      <p:ext uri="{BB962C8B-B14F-4D97-AF65-F5344CB8AC3E}">
+        <p14:creationId xmlns:p14="http://schemas.microsoft.com/office/powerpoint/2010/main" val="1029008000"/>
+      </p:ext>
+    </p:extLst>
+  </p:cSld>
+  <p:clrMapOvr>
+    <a:masterClrMapping/>
+  </p:clrMapOvr>
+</p:sld>
+</file>
+
+<file path=ppt/slides/slide26.xml><?xml version="1.0" encoding="utf-8"?>
+<p:sld xmlns:a="http://schemas.openxmlformats.org/drawingml/2006/main" xmlns:r="http://schemas.openxmlformats.org/officeDocument/2006/relationships" xmlns:p="http://schemas.openxmlformats.org/presentationml/2006/main">
+  <p:cSld>
+    <p:spTree>
+      <p:nvGrpSpPr>
+        <p:cNvPr id="1" name=""/>
+        <p:cNvGrpSpPr/>
+        <p:nvPr/>
+      </p:nvGrpSpPr>
+      <p:grpSpPr>
+        <a:xfrm>
+          <a:off x="0" y="0"/>
+          <a:ext cx="0" cy="0"/>
+          <a:chOff x="0" y="0"/>
+          <a:chExt cx="0" cy="0"/>
+        </a:xfrm>
+      </p:grpSpPr>
+      <p:sp>
+        <p:nvSpPr>
+          <p:cNvPr id="2" name="Title 1">
+            <a:extLst>
+              <a:ext uri="{FF2B5EF4-FFF2-40B4-BE49-F238E27FC236}">
                 <a16:creationId xmlns:a16="http://schemas.microsoft.com/office/drawing/2014/main" id="{EDB598DD-D6CD-435C-B69F-84BE6EB2E6EF}"/>
               </a:ext>
             </a:extLst>
@@ -9420,6 +10517,24 @@
                 <a:hlinkClick r:id="rId5"/>
               </a:rPr>
               <a:t>https://www.pythonindo.com/cara-instalasi-python/</a:t>
+            </a:r>
+            <a:endParaRPr lang="en-US" dirty="0"/>
+          </a:p>
+          <a:p>
+            <a:r>
+              <a:rPr lang="en-US" dirty="0">
+                <a:hlinkClick r:id="rId6"/>
+              </a:rPr>
+              <a:t>https://seaborn.pydata.org/installing.html</a:t>
+            </a:r>
+            <a:endParaRPr lang="en-US" dirty="0"/>
+          </a:p>
+          <a:p>
+            <a:r>
+              <a:rPr lang="en-US" dirty="0">
+                <a:hlinkClick r:id="rId7"/>
+              </a:rPr>
+              <a:t>https://beril.id/instalasi-jupyter-di-windows/</a:t>
             </a:r>
             <a:endParaRPr lang="en-US" dirty="0"/>
           </a:p>
@@ -9438,7 +10553,7 @@
 </p:sld>
 </file>
 
-<file path=ppt/slides/slide23.xml><?xml version="1.0" encoding="utf-8"?>
+<file path=ppt/slides/slide27.xml><?xml version="1.0" encoding="utf-8"?>
 <p:sld xmlns:a="http://schemas.openxmlformats.org/drawingml/2006/main" xmlns:r="http://schemas.openxmlformats.org/officeDocument/2006/relationships" xmlns:p="http://schemas.openxmlformats.org/presentationml/2006/main">
   <p:cSld>
     <p:spTree>
